--- a/Presentation.pptx
+++ b/Presentation.pptx
@@ -9,8 +9,10 @@
     <p:sldId id="257" r:id="rId3"/>
     <p:sldId id="258" r:id="rId4"/>
     <p:sldId id="259" r:id="rId5"/>
-    <p:sldId id="261" r:id="rId6"/>
-    <p:sldId id="260" r:id="rId7"/>
+    <p:sldId id="263" r:id="rId6"/>
+    <p:sldId id="261" r:id="rId7"/>
+    <p:sldId id="260" r:id="rId8"/>
+    <p:sldId id="262" r:id="rId9"/>
   </p:sldIdLst>
   <p:sldSz cx="12192000" cy="6858000"/>
   <p:notesSz cx="6858000" cy="9144000"/>
@@ -264,7 +266,7 @@
           <a:p>
             <a:fld id="{80D5850A-67F5-274D-81A1-119160124C8A}" type="datetimeFigureOut">
               <a:rPr kumimoji="1" lang="zh-CN" altLang="en-US" smtClean="0"/>
-              <a:t>2025/9/14</a:t>
+              <a:t>2025/9/15</a:t>
             </a:fld>
             <a:endParaRPr kumimoji="1" lang="zh-CN" altLang="en-US"/>
           </a:p>
@@ -462,7 +464,7 @@
           <a:p>
             <a:fld id="{80D5850A-67F5-274D-81A1-119160124C8A}" type="datetimeFigureOut">
               <a:rPr kumimoji="1" lang="zh-CN" altLang="en-US" smtClean="0"/>
-              <a:t>2025/9/14</a:t>
+              <a:t>2025/9/15</a:t>
             </a:fld>
             <a:endParaRPr kumimoji="1" lang="zh-CN" altLang="en-US"/>
           </a:p>
@@ -670,7 +672,7 @@
           <a:p>
             <a:fld id="{80D5850A-67F5-274D-81A1-119160124C8A}" type="datetimeFigureOut">
               <a:rPr kumimoji="1" lang="zh-CN" altLang="en-US" smtClean="0"/>
-              <a:t>2025/9/14</a:t>
+              <a:t>2025/9/15</a:t>
             </a:fld>
             <a:endParaRPr kumimoji="1" lang="zh-CN" altLang="en-US"/>
           </a:p>
@@ -868,7 +870,7 @@
           <a:p>
             <a:fld id="{80D5850A-67F5-274D-81A1-119160124C8A}" type="datetimeFigureOut">
               <a:rPr kumimoji="1" lang="zh-CN" altLang="en-US" smtClean="0"/>
-              <a:t>2025/9/14</a:t>
+              <a:t>2025/9/15</a:t>
             </a:fld>
             <a:endParaRPr kumimoji="1" lang="zh-CN" altLang="en-US"/>
           </a:p>
@@ -1143,7 +1145,7 @@
           <a:p>
             <a:fld id="{80D5850A-67F5-274D-81A1-119160124C8A}" type="datetimeFigureOut">
               <a:rPr kumimoji="1" lang="zh-CN" altLang="en-US" smtClean="0"/>
-              <a:t>2025/9/14</a:t>
+              <a:t>2025/9/15</a:t>
             </a:fld>
             <a:endParaRPr kumimoji="1" lang="zh-CN" altLang="en-US"/>
           </a:p>
@@ -1408,7 +1410,7 @@
           <a:p>
             <a:fld id="{80D5850A-67F5-274D-81A1-119160124C8A}" type="datetimeFigureOut">
               <a:rPr kumimoji="1" lang="zh-CN" altLang="en-US" smtClean="0"/>
-              <a:t>2025/9/14</a:t>
+              <a:t>2025/9/15</a:t>
             </a:fld>
             <a:endParaRPr kumimoji="1" lang="zh-CN" altLang="en-US"/>
           </a:p>
@@ -1820,7 +1822,7 @@
           <a:p>
             <a:fld id="{80D5850A-67F5-274D-81A1-119160124C8A}" type="datetimeFigureOut">
               <a:rPr kumimoji="1" lang="zh-CN" altLang="en-US" smtClean="0"/>
-              <a:t>2025/9/14</a:t>
+              <a:t>2025/9/15</a:t>
             </a:fld>
             <a:endParaRPr kumimoji="1" lang="zh-CN" altLang="en-US"/>
           </a:p>
@@ -1961,7 +1963,7 @@
           <a:p>
             <a:fld id="{80D5850A-67F5-274D-81A1-119160124C8A}" type="datetimeFigureOut">
               <a:rPr kumimoji="1" lang="zh-CN" altLang="en-US" smtClean="0"/>
-              <a:t>2025/9/14</a:t>
+              <a:t>2025/9/15</a:t>
             </a:fld>
             <a:endParaRPr kumimoji="1" lang="zh-CN" altLang="en-US"/>
           </a:p>
@@ -2074,7 +2076,7 @@
           <a:p>
             <a:fld id="{80D5850A-67F5-274D-81A1-119160124C8A}" type="datetimeFigureOut">
               <a:rPr kumimoji="1" lang="zh-CN" altLang="en-US" smtClean="0"/>
-              <a:t>2025/9/14</a:t>
+              <a:t>2025/9/15</a:t>
             </a:fld>
             <a:endParaRPr kumimoji="1" lang="zh-CN" altLang="en-US"/>
           </a:p>
@@ -2385,7 +2387,7 @@
           <a:p>
             <a:fld id="{80D5850A-67F5-274D-81A1-119160124C8A}" type="datetimeFigureOut">
               <a:rPr kumimoji="1" lang="zh-CN" altLang="en-US" smtClean="0"/>
-              <a:t>2025/9/14</a:t>
+              <a:t>2025/9/15</a:t>
             </a:fld>
             <a:endParaRPr kumimoji="1" lang="zh-CN" altLang="en-US"/>
           </a:p>
@@ -2673,7 +2675,7 @@
           <a:p>
             <a:fld id="{80D5850A-67F5-274D-81A1-119160124C8A}" type="datetimeFigureOut">
               <a:rPr kumimoji="1" lang="zh-CN" altLang="en-US" smtClean="0"/>
-              <a:t>2025/9/14</a:t>
+              <a:t>2025/9/15</a:t>
             </a:fld>
             <a:endParaRPr kumimoji="1" lang="zh-CN" altLang="en-US"/>
           </a:p>
@@ -2914,7 +2916,7 @@
           <a:p>
             <a:fld id="{80D5850A-67F5-274D-81A1-119160124C8A}" type="datetimeFigureOut">
               <a:rPr kumimoji="1" lang="zh-CN" altLang="en-US" smtClean="0"/>
-              <a:t>2025/9/14</a:t>
+              <a:t>2025/9/15</a:t>
             </a:fld>
             <a:endParaRPr kumimoji="1" lang="zh-CN" altLang="en-US"/>
           </a:p>
@@ -4570,7 +4572,7 @@
             <p:ph idx="1"/>
             <p:extLst>
               <p:ext uri="{D42A27DB-BD31-4B8C-83A1-F6EECF244321}">
-                <p14:modId xmlns:p14="http://schemas.microsoft.com/office/powerpoint/2010/main" val="3268368362"/>
+                <p14:modId xmlns:p14="http://schemas.microsoft.com/office/powerpoint/2010/main" val="3739010284"/>
               </p:ext>
             </p:extLst>
           </p:nvPr>
@@ -4735,10 +4737,10 @@
                     <a:lstStyle/>
                     <a:p>
                       <a:r>
-                        <a:rPr lang="en" b="1"/>
+                        <a:rPr lang="en" b="1" dirty="0" err="1"/>
                         <a:t>Dr.Hypothesis</a:t>
                       </a:r>
-                      <a:endParaRPr lang="en"/>
+                      <a:endParaRPr lang="en" dirty="0"/>
                     </a:p>
                   </a:txBody>
                   <a:tcPr anchor="ctr">
@@ -4871,10 +4873,10 @@
                     <a:lstStyle/>
                     <a:p>
                       <a:r>
-                        <a:rPr lang="en" b="1"/>
+                        <a:rPr lang="en" b="1" dirty="0" err="1"/>
                         <a:t>Dr.Challenger</a:t>
                       </a:r>
-                      <a:endParaRPr lang="en"/>
+                      <a:endParaRPr lang="en" dirty="0"/>
                     </a:p>
                   </a:txBody>
                   <a:tcPr anchor="ctr">
@@ -5003,10 +5005,14 @@
                     <a:lstStyle/>
                     <a:p>
                       <a:r>
-                        <a:rPr lang="en" b="1"/>
-                        <a:t>Dr.Clinical-Reasoning</a:t>
+                        <a:rPr lang="en" b="1" dirty="0" err="1"/>
+                        <a:t>Dr.Clinical</a:t>
                       </a:r>
-                      <a:endParaRPr lang="en"/>
+                      <a:r>
+                        <a:rPr lang="en" b="1" dirty="0"/>
+                        <a:t>-Reasoning</a:t>
+                      </a:r>
+                      <a:endParaRPr lang="en" dirty="0"/>
                     </a:p>
                   </a:txBody>
                   <a:tcPr anchor="ctr">
@@ -5170,6 +5176,65 @@
   <p:cSld>
     <p:spTree>
       <p:nvGrpSpPr>
+        <p:cNvPr id="1" name=""/>
+        <p:cNvGrpSpPr/>
+        <p:nvPr/>
+      </p:nvGrpSpPr>
+      <p:grpSpPr>
+        <a:xfrm>
+          <a:off x="0" y="0"/>
+          <a:ext cx="0" cy="0"/>
+          <a:chOff x="0" y="0"/>
+          <a:chExt cx="0" cy="0"/>
+        </a:xfrm>
+      </p:grpSpPr>
+      <p:pic>
+        <p:nvPicPr>
+          <p:cNvPr id="2" name="图片 1">
+            <a:extLst>
+              <a:ext uri="{FF2B5EF4-FFF2-40B4-BE49-F238E27FC236}">
+                <a16:creationId xmlns:a16="http://schemas.microsoft.com/office/drawing/2014/main" id="{B1638DAA-31AF-8883-ADE0-6C3A074334A3}"/>
+              </a:ext>
+            </a:extLst>
+          </p:cNvPr>
+          <p:cNvPicPr>
+            <a:picLocks noChangeAspect="1"/>
+          </p:cNvPicPr>
+          <p:nvPr/>
+        </p:nvPicPr>
+        <p:blipFill>
+          <a:blip r:embed="rId2"/>
+          <a:srcRect l="2075" t="2120" r="2958" b="1749"/>
+          <a:stretch/>
+        </p:blipFill>
+        <p:spPr>
+          <a:xfrm>
+            <a:off x="2587083" y="66907"/>
+            <a:ext cx="6445405" cy="6724185"/>
+          </a:xfrm>
+          <a:prstGeom prst="rect">
+            <a:avLst/>
+          </a:prstGeom>
+        </p:spPr>
+      </p:pic>
+    </p:spTree>
+    <p:extLst>
+      <p:ext uri="{BB962C8B-B14F-4D97-AF65-F5344CB8AC3E}">
+        <p14:creationId xmlns:p14="http://schemas.microsoft.com/office/powerpoint/2010/main" val="1921991992"/>
+      </p:ext>
+    </p:extLst>
+  </p:cSld>
+  <p:clrMapOvr>
+    <a:masterClrMapping/>
+  </p:clrMapOvr>
+</p:sld>
+</file>
+
+<file path=ppt/slides/slide6.xml><?xml version="1.0" encoding="utf-8"?>
+<p:sld xmlns:a="http://schemas.openxmlformats.org/drawingml/2006/main" xmlns:r="http://schemas.openxmlformats.org/officeDocument/2006/relationships" xmlns:p="http://schemas.openxmlformats.org/presentationml/2006/main">
+  <p:cSld>
+    <p:spTree>
+      <p:nvGrpSpPr>
         <p:cNvPr id="1" name="">
           <a:extLst>
             <a:ext uri="{FF2B5EF4-FFF2-40B4-BE49-F238E27FC236}">
@@ -5293,7 +5358,7 @@
 </p:sld>
 </file>
 
-<file path=ppt/slides/slide6.xml><?xml version="1.0" encoding="utf-8"?>
+<file path=ppt/slides/slide7.xml><?xml version="1.0" encoding="utf-8"?>
 <p:sld xmlns:a="http://schemas.openxmlformats.org/drawingml/2006/main" xmlns:r="http://schemas.openxmlformats.org/officeDocument/2006/relationships" xmlns:p="http://schemas.openxmlformats.org/presentationml/2006/main">
   <p:cSld>
     <p:spTree>
@@ -5368,7 +5433,12 @@
             <p:ph idx="1"/>
           </p:nvPr>
         </p:nvSpPr>
-        <p:spPr/>
+        <p:spPr>
+          <a:xfrm>
+            <a:off x="693234" y="1546845"/>
+            <a:ext cx="10515600" cy="4351338"/>
+          </a:xfrm>
+        </p:spPr>
         <p:txBody>
           <a:bodyPr/>
           <a:lstStyle/>
@@ -5411,7 +5481,7 @@
               <a:t>部署（</a:t>
             </a:r>
             <a:r>
-              <a:rPr lang="en" altLang="zh-CN" b="1" i="0" dirty="0">
+              <a:rPr lang="en" altLang="zh-CN" i="0" dirty="0">
                 <a:solidFill>
                   <a:srgbClr val="4D4D4D"/>
                 </a:solidFill>
@@ -5421,7 +5491,7 @@
               <a:t>ASGI</a:t>
             </a:r>
             <a:r>
-              <a:rPr lang="zh-CN" altLang="en-US" b="1" i="0" dirty="0">
+              <a:rPr lang="zh-CN" altLang="en-US" i="0" dirty="0">
                 <a:solidFill>
                   <a:srgbClr val="4D4D4D"/>
                 </a:solidFill>
@@ -5448,31 +5518,11 @@
             </a:pPr>
             <a:r>
               <a:rPr lang="en" altLang="zh-CN" dirty="0"/>
-              <a:t>Git</a:t>
-            </a:r>
-            <a:r>
-              <a:rPr lang="zh-CN" altLang="en" dirty="0"/>
-              <a:t>安装</a:t>
+              <a:t>Docker</a:t>
             </a:r>
             <a:r>
               <a:rPr lang="zh-CN" altLang="en-US" dirty="0"/>
-              <a:t>和</a:t>
-            </a:r>
-            <a:r>
-              <a:rPr lang="en-US" altLang="zh-CN" dirty="0" err="1"/>
-              <a:t>github</a:t>
-            </a:r>
-            <a:r>
-              <a:rPr lang="zh-CN" altLang="en-US" dirty="0"/>
-              <a:t>使用（</a:t>
-            </a:r>
-            <a:r>
-              <a:rPr lang="en-US" altLang="zh-CN" dirty="0"/>
-              <a:t>Mac OS</a:t>
-            </a:r>
-            <a:r>
-              <a:rPr lang="zh-CN" altLang="en-US" dirty="0"/>
-              <a:t>）：</a:t>
+              <a:t>：</a:t>
             </a:r>
             <a:endParaRPr lang="en-US" altLang="zh-CN" dirty="0"/>
           </a:p>
@@ -5481,20 +5531,78 @@
               <a:buNone/>
             </a:pPr>
             <a:r>
-              <a:rPr lang="en-US" altLang="zh-CN" dirty="0">
+              <a:rPr lang="en" altLang="zh-CN" dirty="0">
                 <a:hlinkClick r:id="rId4"/>
               </a:rPr>
               <a:t>https://</a:t>
             </a:r>
             <a:r>
-              <a:rPr lang="en-US" altLang="zh-CN" dirty="0" err="1">
+              <a:rPr lang="en" altLang="zh-CN" dirty="0" err="1">
                 <a:hlinkClick r:id="rId4"/>
               </a:rPr>
               <a:t>blog.csdn.net</a:t>
             </a:r>
             <a:r>
+              <a:rPr lang="en" altLang="zh-CN" dirty="0">
+                <a:hlinkClick r:id="rId4"/>
+              </a:rPr>
+              <a:t>/qq_41973632/article/details/142464164</a:t>
+            </a:r>
+            <a:endParaRPr lang="en" altLang="zh-CN" dirty="0"/>
+          </a:p>
+          <a:p>
+            <a:pPr marL="0" indent="0">
+              <a:buNone/>
+            </a:pPr>
+            <a:r>
+              <a:rPr lang="en" altLang="zh-CN" dirty="0"/>
+              <a:t>Git</a:t>
+            </a:r>
+            <a:r>
+              <a:rPr lang="zh-CN" altLang="en" dirty="0"/>
+              <a:t>安装</a:t>
+            </a:r>
+            <a:r>
+              <a:rPr lang="zh-CN" altLang="en-US" dirty="0"/>
+              <a:t>和</a:t>
+            </a:r>
+            <a:r>
+              <a:rPr lang="en-US" altLang="zh-CN" dirty="0" err="1"/>
+              <a:t>github</a:t>
+            </a:r>
+            <a:r>
+              <a:rPr lang="zh-CN" altLang="en-US" dirty="0"/>
+              <a:t>使用（</a:t>
+            </a:r>
+            <a:r>
+              <a:rPr lang="en-US" altLang="zh-CN" dirty="0"/>
+              <a:t>Mac OS</a:t>
+            </a:r>
+            <a:r>
+              <a:rPr lang="zh-CN" altLang="en-US" dirty="0"/>
+              <a:t>）：</a:t>
+            </a:r>
+            <a:endParaRPr lang="en-US" altLang="zh-CN" dirty="0"/>
+          </a:p>
+          <a:p>
+            <a:pPr marL="0" indent="0">
+              <a:buNone/>
+            </a:pPr>
+            <a:r>
               <a:rPr lang="en-US" altLang="zh-CN" dirty="0">
-                <a:hlinkClick r:id="rId4"/>
+                <a:hlinkClick r:id="rId5"/>
+              </a:rPr>
+              <a:t>https://</a:t>
+            </a:r>
+            <a:r>
+              <a:rPr lang="en-US" altLang="zh-CN" dirty="0" err="1">
+                <a:hlinkClick r:id="rId5"/>
+              </a:rPr>
+              <a:t>blog.csdn.net</a:t>
+            </a:r>
+            <a:r>
+              <a:rPr lang="en-US" altLang="zh-CN" dirty="0">
+                <a:hlinkClick r:id="rId5"/>
               </a:rPr>
               <a:t>/qq_36332660/article/details/131024361</a:t>
             </a:r>
@@ -5515,6 +5623,210 @@
     <p:extLst>
       <p:ext uri="{BB962C8B-B14F-4D97-AF65-F5344CB8AC3E}">
         <p14:creationId xmlns:p14="http://schemas.microsoft.com/office/powerpoint/2010/main" val="3511774112"/>
+      </p:ext>
+    </p:extLst>
+  </p:cSld>
+  <p:clrMapOvr>
+    <a:masterClrMapping/>
+  </p:clrMapOvr>
+</p:sld>
+</file>
+
+<file path=ppt/slides/slide8.xml><?xml version="1.0" encoding="utf-8"?>
+<p:sld xmlns:a="http://schemas.openxmlformats.org/drawingml/2006/main" xmlns:r="http://schemas.openxmlformats.org/officeDocument/2006/relationships" xmlns:p="http://schemas.openxmlformats.org/presentationml/2006/main">
+  <p:cSld>
+    <p:spTree>
+      <p:nvGrpSpPr>
+        <p:cNvPr id="1" name=""/>
+        <p:cNvGrpSpPr/>
+        <p:nvPr/>
+      </p:nvGrpSpPr>
+      <p:grpSpPr>
+        <a:xfrm>
+          <a:off x="0" y="0"/>
+          <a:ext cx="0" cy="0"/>
+          <a:chOff x="0" y="0"/>
+          <a:chExt cx="0" cy="0"/>
+        </a:xfrm>
+      </p:grpSpPr>
+      <p:sp>
+        <p:nvSpPr>
+          <p:cNvPr id="2" name="标题 1">
+            <a:extLst>
+              <a:ext uri="{FF2B5EF4-FFF2-40B4-BE49-F238E27FC236}">
+                <a16:creationId xmlns:a16="http://schemas.microsoft.com/office/drawing/2014/main" id="{6B0CCC21-217A-5078-8C94-5FE39442F1AA}"/>
+              </a:ext>
+            </a:extLst>
+          </p:cNvPr>
+          <p:cNvSpPr>
+            <a:spLocks noGrp="1"/>
+          </p:cNvSpPr>
+          <p:nvPr>
+            <p:ph type="title"/>
+          </p:nvPr>
+        </p:nvSpPr>
+        <p:spPr/>
+        <p:txBody>
+          <a:bodyPr/>
+          <a:lstStyle/>
+          <a:p>
+            <a:r>
+              <a:rPr kumimoji="1" lang="en-US" altLang="zh-CN"/>
+              <a:t>Tips</a:t>
+            </a:r>
+            <a:r>
+              <a:rPr kumimoji="1" lang="zh-CN" altLang="en-US"/>
+              <a:t>：</a:t>
+            </a:r>
+            <a:endParaRPr kumimoji="1" lang="zh-CN" altLang="en-US" dirty="0"/>
+          </a:p>
+        </p:txBody>
+      </p:sp>
+      <p:sp>
+        <p:nvSpPr>
+          <p:cNvPr id="3" name="内容占位符 2">
+            <a:extLst>
+              <a:ext uri="{FF2B5EF4-FFF2-40B4-BE49-F238E27FC236}">
+                <a16:creationId xmlns:a16="http://schemas.microsoft.com/office/drawing/2014/main" id="{F8C81AB8-2A0F-6321-09B1-03AAC3E82DBF}"/>
+              </a:ext>
+            </a:extLst>
+          </p:cNvPr>
+          <p:cNvSpPr>
+            <a:spLocks noGrp="1"/>
+          </p:cNvSpPr>
+          <p:nvPr>
+            <p:ph idx="1"/>
+          </p:nvPr>
+        </p:nvSpPr>
+        <p:spPr/>
+        <p:txBody>
+          <a:bodyPr/>
+          <a:lstStyle/>
+          <a:p>
+            <a:r>
+              <a:rPr kumimoji="1" lang="zh-CN" altLang="en-US" dirty="0"/>
+              <a:t>减少</a:t>
+            </a:r>
+            <a:r>
+              <a:rPr kumimoji="1" lang="en-US" altLang="zh-CN" dirty="0"/>
+              <a:t>docker</a:t>
+            </a:r>
+            <a:r>
+              <a:rPr kumimoji="1" lang="zh-CN" altLang="en-US" dirty="0"/>
+              <a:t>镜像体积：</a:t>
+            </a:r>
+            <a:endParaRPr kumimoji="1" lang="en-US" altLang="zh-CN" dirty="0"/>
+          </a:p>
+          <a:p>
+            <a:pPr marL="0" indent="0">
+              <a:buNone/>
+            </a:pPr>
+            <a:r>
+              <a:rPr lang="zh-CN" altLang="en-US" sz="1800" dirty="0"/>
+              <a:t>  </a:t>
+            </a:r>
+            <a:r>
+              <a:rPr lang="en" altLang="zh-CN" sz="1800" dirty="0"/>
+              <a:t>apt-get install -y --no-install-recommends </a:t>
+            </a:r>
+            <a:r>
+              <a:rPr lang="zh-CN" altLang="en-US" sz="1800" dirty="0"/>
+              <a:t>只装必需包</a:t>
+            </a:r>
+            <a:endParaRPr lang="en-US" altLang="zh-CN" sz="1800" dirty="0"/>
+          </a:p>
+          <a:p>
+            <a:pPr marL="0" indent="0">
+              <a:buNone/>
+            </a:pPr>
+            <a:r>
+              <a:rPr lang="zh-CN" altLang="en-US" sz="1800" dirty="0"/>
+              <a:t>  </a:t>
+            </a:r>
+            <a:r>
+              <a:rPr lang="en" altLang="zh-CN" sz="1800" dirty="0">
+                <a:effectLst/>
+              </a:rPr>
+              <a:t>rm -rf /var/lib/apt/lists/*</a:t>
+            </a:r>
+            <a:r>
+              <a:rPr lang="zh-CN" altLang="en-US" sz="1800" dirty="0">
+                <a:effectLst/>
+              </a:rPr>
+              <a:t> 清理</a:t>
+            </a:r>
+            <a:r>
+              <a:rPr lang="en-US" altLang="zh-CN" sz="1800" dirty="0">
+                <a:effectLst/>
+              </a:rPr>
+              <a:t>apt</a:t>
+            </a:r>
+            <a:r>
+              <a:rPr lang="zh-CN" altLang="en-US" sz="1800" dirty="0">
+                <a:effectLst/>
+              </a:rPr>
+              <a:t>安装缓存</a:t>
+            </a:r>
+            <a:endParaRPr lang="en-US" altLang="zh-CN" sz="1800" dirty="0">
+              <a:effectLst/>
+            </a:endParaRPr>
+          </a:p>
+          <a:p>
+            <a:pPr marL="0" indent="0">
+              <a:buNone/>
+            </a:pPr>
+            <a:r>
+              <a:rPr lang="zh-CN" altLang="en-US" sz="1800" dirty="0"/>
+              <a:t>  </a:t>
+            </a:r>
+            <a:r>
+              <a:rPr lang="en" altLang="zh-CN" sz="1800" dirty="0">
+                <a:effectLst/>
+              </a:rPr>
+              <a:t>pip install --no-cache-</a:t>
+            </a:r>
+            <a:r>
+              <a:rPr lang="en" altLang="zh-CN" sz="1800" dirty="0" err="1">
+                <a:effectLst/>
+              </a:rPr>
+              <a:t>dir</a:t>
+            </a:r>
+            <a:r>
+              <a:rPr lang="zh-CN" altLang="en-US" sz="1800" dirty="0">
+                <a:effectLst/>
+              </a:rPr>
+              <a:t> </a:t>
+            </a:r>
+            <a:r>
+              <a:rPr lang="zh-CN" altLang="en-US" sz="1800" dirty="0"/>
+              <a:t>避免 </a:t>
+            </a:r>
+            <a:r>
+              <a:rPr lang="en" altLang="zh-CN" sz="1800" dirty="0"/>
+              <a:t>pip </a:t>
+            </a:r>
+            <a:r>
+              <a:rPr lang="zh-CN" altLang="en-US" sz="1800" dirty="0"/>
+              <a:t>缓存，减少镜像体积</a:t>
+            </a:r>
+            <a:r>
+              <a:rPr kumimoji="1" lang="zh-CN" altLang="en-US" sz="1800" dirty="0"/>
+              <a:t>  </a:t>
+            </a:r>
+            <a:endParaRPr kumimoji="1" lang="en-US" altLang="zh-CN" sz="1800" dirty="0"/>
+          </a:p>
+          <a:p>
+            <a:pPr marL="0" indent="0">
+              <a:buNone/>
+            </a:pPr>
+            <a:endParaRPr kumimoji="1" lang="zh-CN" altLang="en-US" sz="1800" dirty="0"/>
+          </a:p>
+        </p:txBody>
+      </p:sp>
+    </p:spTree>
+    <p:extLst>
+      <p:ext uri="{BB962C8B-B14F-4D97-AF65-F5344CB8AC3E}">
+        <p14:creationId xmlns:p14="http://schemas.microsoft.com/office/powerpoint/2010/main" val="1112528702"/>
       </p:ext>
     </p:extLst>
   </p:cSld>

--- a/Presentation.pptx
+++ b/Presentation.pptx
@@ -11,8 +11,8 @@
     <p:sldId id="259" r:id="rId5"/>
     <p:sldId id="263" r:id="rId6"/>
     <p:sldId id="261" r:id="rId7"/>
-    <p:sldId id="260" r:id="rId8"/>
-    <p:sldId id="262" r:id="rId9"/>
+    <p:sldId id="262" r:id="rId8"/>
+    <p:sldId id="260" r:id="rId9"/>
   </p:sldIdLst>
   <p:sldSz cx="12192000" cy="6858000"/>
   <p:notesSz cx="6858000" cy="9144000"/>
@@ -266,7 +266,7 @@
           <a:p>
             <a:fld id="{80D5850A-67F5-274D-81A1-119160124C8A}" type="datetimeFigureOut">
               <a:rPr kumimoji="1" lang="zh-CN" altLang="en-US" smtClean="0"/>
-              <a:t>2025/9/15</a:t>
+              <a:t>2025/9/16</a:t>
             </a:fld>
             <a:endParaRPr kumimoji="1" lang="zh-CN" altLang="en-US"/>
           </a:p>
@@ -464,7 +464,7 @@
           <a:p>
             <a:fld id="{80D5850A-67F5-274D-81A1-119160124C8A}" type="datetimeFigureOut">
               <a:rPr kumimoji="1" lang="zh-CN" altLang="en-US" smtClean="0"/>
-              <a:t>2025/9/15</a:t>
+              <a:t>2025/9/16</a:t>
             </a:fld>
             <a:endParaRPr kumimoji="1" lang="zh-CN" altLang="en-US"/>
           </a:p>
@@ -672,7 +672,7 @@
           <a:p>
             <a:fld id="{80D5850A-67F5-274D-81A1-119160124C8A}" type="datetimeFigureOut">
               <a:rPr kumimoji="1" lang="zh-CN" altLang="en-US" smtClean="0"/>
-              <a:t>2025/9/15</a:t>
+              <a:t>2025/9/16</a:t>
             </a:fld>
             <a:endParaRPr kumimoji="1" lang="zh-CN" altLang="en-US"/>
           </a:p>
@@ -870,7 +870,7 @@
           <a:p>
             <a:fld id="{80D5850A-67F5-274D-81A1-119160124C8A}" type="datetimeFigureOut">
               <a:rPr kumimoji="1" lang="zh-CN" altLang="en-US" smtClean="0"/>
-              <a:t>2025/9/15</a:t>
+              <a:t>2025/9/16</a:t>
             </a:fld>
             <a:endParaRPr kumimoji="1" lang="zh-CN" altLang="en-US"/>
           </a:p>
@@ -1145,7 +1145,7 @@
           <a:p>
             <a:fld id="{80D5850A-67F5-274D-81A1-119160124C8A}" type="datetimeFigureOut">
               <a:rPr kumimoji="1" lang="zh-CN" altLang="en-US" smtClean="0"/>
-              <a:t>2025/9/15</a:t>
+              <a:t>2025/9/16</a:t>
             </a:fld>
             <a:endParaRPr kumimoji="1" lang="zh-CN" altLang="en-US"/>
           </a:p>
@@ -1410,7 +1410,7 @@
           <a:p>
             <a:fld id="{80D5850A-67F5-274D-81A1-119160124C8A}" type="datetimeFigureOut">
               <a:rPr kumimoji="1" lang="zh-CN" altLang="en-US" smtClean="0"/>
-              <a:t>2025/9/15</a:t>
+              <a:t>2025/9/16</a:t>
             </a:fld>
             <a:endParaRPr kumimoji="1" lang="zh-CN" altLang="en-US"/>
           </a:p>
@@ -1822,7 +1822,7 @@
           <a:p>
             <a:fld id="{80D5850A-67F5-274D-81A1-119160124C8A}" type="datetimeFigureOut">
               <a:rPr kumimoji="1" lang="zh-CN" altLang="en-US" smtClean="0"/>
-              <a:t>2025/9/15</a:t>
+              <a:t>2025/9/16</a:t>
             </a:fld>
             <a:endParaRPr kumimoji="1" lang="zh-CN" altLang="en-US"/>
           </a:p>
@@ -1963,7 +1963,7 @@
           <a:p>
             <a:fld id="{80D5850A-67F5-274D-81A1-119160124C8A}" type="datetimeFigureOut">
               <a:rPr kumimoji="1" lang="zh-CN" altLang="en-US" smtClean="0"/>
-              <a:t>2025/9/15</a:t>
+              <a:t>2025/9/16</a:t>
             </a:fld>
             <a:endParaRPr kumimoji="1" lang="zh-CN" altLang="en-US"/>
           </a:p>
@@ -2076,7 +2076,7 @@
           <a:p>
             <a:fld id="{80D5850A-67F5-274D-81A1-119160124C8A}" type="datetimeFigureOut">
               <a:rPr kumimoji="1" lang="zh-CN" altLang="en-US" smtClean="0"/>
-              <a:t>2025/9/15</a:t>
+              <a:t>2025/9/16</a:t>
             </a:fld>
             <a:endParaRPr kumimoji="1" lang="zh-CN" altLang="en-US"/>
           </a:p>
@@ -2387,7 +2387,7 @@
           <a:p>
             <a:fld id="{80D5850A-67F5-274D-81A1-119160124C8A}" type="datetimeFigureOut">
               <a:rPr kumimoji="1" lang="zh-CN" altLang="en-US" smtClean="0"/>
-              <a:t>2025/9/15</a:t>
+              <a:t>2025/9/16</a:t>
             </a:fld>
             <a:endParaRPr kumimoji="1" lang="zh-CN" altLang="en-US"/>
           </a:p>
@@ -2675,7 +2675,7 @@
           <a:p>
             <a:fld id="{80D5850A-67F5-274D-81A1-119160124C8A}" type="datetimeFigureOut">
               <a:rPr kumimoji="1" lang="zh-CN" altLang="en-US" smtClean="0"/>
-              <a:t>2025/9/15</a:t>
+              <a:t>2025/9/16</a:t>
             </a:fld>
             <a:endParaRPr kumimoji="1" lang="zh-CN" altLang="en-US"/>
           </a:p>
@@ -2916,7 +2916,7 @@
           <a:p>
             <a:fld id="{80D5850A-67F5-274D-81A1-119160124C8A}" type="datetimeFigureOut">
               <a:rPr kumimoji="1" lang="zh-CN" altLang="en-US" smtClean="0"/>
-              <a:t>2025/9/15</a:t>
+              <a:t>2025/9/16</a:t>
             </a:fld>
             <a:endParaRPr kumimoji="1" lang="zh-CN" altLang="en-US"/>
           </a:p>
@@ -3504,7 +3504,7 @@
           <a:p>
             <a:r>
               <a:rPr kumimoji="1" lang="en-US" altLang="zh-CN" dirty="0"/>
-              <a:t>L LM</a:t>
+              <a:t>LLM</a:t>
             </a:r>
             <a:r>
               <a:rPr kumimoji="1" lang="zh-CN" altLang="en-US" dirty="0"/>
@@ -4622,7 +4622,7 @@
                     <a:lstStyle/>
                     <a:p>
                       <a:r>
-                        <a:rPr lang="zh-CN" altLang="en-US"/>
+                        <a:rPr lang="zh-CN" altLang="en-US" dirty="0"/>
                         <a:t>智能体</a:t>
                       </a:r>
                     </a:p>
@@ -4676,7 +4676,7 @@
                     <a:lstStyle/>
                     <a:p>
                       <a:r>
-                        <a:rPr lang="zh-CN" altLang="en-US"/>
+                        <a:rPr lang="zh-CN" altLang="en-US" dirty="0"/>
                         <a:t>输入</a:t>
                       </a:r>
                     </a:p>
@@ -5307,7 +5307,7 @@
         </p:blipFill>
         <p:spPr>
           <a:xfrm>
-            <a:off x="838200" y="1690688"/>
+            <a:off x="333443" y="1590326"/>
             <a:ext cx="6221506" cy="2458323"/>
           </a:xfrm>
           <a:prstGeom prst="rect">
@@ -5337,8 +5337,67 @@
         </p:blipFill>
         <p:spPr>
           <a:xfrm>
-            <a:off x="1134036" y="4209838"/>
+            <a:off x="629279" y="4271675"/>
             <a:ext cx="5925670" cy="1980504"/>
+          </a:xfrm>
+          <a:prstGeom prst="rect">
+            <a:avLst/>
+          </a:prstGeom>
+        </p:spPr>
+      </p:pic>
+      <p:pic>
+        <p:nvPicPr>
+          <p:cNvPr id="3" name="图片 2">
+            <a:extLst>
+              <a:ext uri="{FF2B5EF4-FFF2-40B4-BE49-F238E27FC236}">
+                <a16:creationId xmlns:a16="http://schemas.microsoft.com/office/drawing/2014/main" id="{BF6062C7-5DF2-0CAC-7547-84B1458DA918}"/>
+              </a:ext>
+            </a:extLst>
+          </p:cNvPr>
+          <p:cNvPicPr>
+            <a:picLocks noChangeAspect="1"/>
+          </p:cNvPicPr>
+          <p:nvPr/>
+        </p:nvPicPr>
+        <p:blipFill>
+          <a:blip r:embed="rId4"/>
+          <a:srcRect l="16508" t="-785"/>
+          <a:stretch/>
+        </p:blipFill>
+        <p:spPr>
+          <a:xfrm>
+            <a:off x="7281746" y="158592"/>
+            <a:ext cx="4337824" cy="2863469"/>
+          </a:xfrm>
+          <a:prstGeom prst="rect">
+            <a:avLst/>
+          </a:prstGeom>
+        </p:spPr>
+      </p:pic>
+      <p:pic>
+        <p:nvPicPr>
+          <p:cNvPr id="4" name="图片 3">
+            <a:extLst>
+              <a:ext uri="{FF2B5EF4-FFF2-40B4-BE49-F238E27FC236}">
+                <a16:creationId xmlns:a16="http://schemas.microsoft.com/office/drawing/2014/main" id="{EDFB9DC9-FC33-F5D5-A9EB-AB269BFE22D1}"/>
+              </a:ext>
+            </a:extLst>
+          </p:cNvPr>
+          <p:cNvPicPr>
+            <a:picLocks noChangeAspect="1"/>
+          </p:cNvPicPr>
+          <p:nvPr/>
+        </p:nvPicPr>
+        <p:blipFill>
+          <a:blip r:embed="rId5"/>
+          <a:stretch>
+            <a:fillRect/>
+          </a:stretch>
+        </p:blipFill>
+        <p:spPr>
+          <a:xfrm>
+            <a:off x="7227849" y="3073960"/>
+            <a:ext cx="4964151" cy="3527002"/>
           </a:xfrm>
           <a:prstGeom prst="rect">
             <a:avLst/>
@@ -5380,7 +5439,7 @@
           <p:cNvPr id="2" name="标题 1">
             <a:extLst>
               <a:ext uri="{FF2B5EF4-FFF2-40B4-BE49-F238E27FC236}">
-                <a16:creationId xmlns:a16="http://schemas.microsoft.com/office/drawing/2014/main" id="{36247BF1-508A-52C2-B7C1-2288D697D78B}"/>
+                <a16:creationId xmlns:a16="http://schemas.microsoft.com/office/drawing/2014/main" id="{6B0CCC21-217A-5078-8C94-5FE39442F1AA}"/>
               </a:ext>
             </a:extLst>
           </p:cNvPr>
@@ -5389,240 +5448,466 @@
           </p:cNvSpPr>
           <p:nvPr>
             <p:ph type="title"/>
+          </p:nvPr>
+        </p:nvSpPr>
+        <p:spPr/>
+        <p:txBody>
+          <a:bodyPr/>
+          <a:lstStyle/>
+          <a:p>
+            <a:r>
+              <a:rPr kumimoji="1" lang="en-US" altLang="zh-CN" dirty="0"/>
+              <a:t>Tips</a:t>
+            </a:r>
+            <a:r>
+              <a:rPr kumimoji="1" lang="zh-CN" altLang="en-US" dirty="0"/>
+              <a:t>：</a:t>
+            </a:r>
+          </a:p>
+        </p:txBody>
+      </p:sp>
+      <p:sp>
+        <p:nvSpPr>
+          <p:cNvPr id="3" name="内容占位符 2">
+            <a:extLst>
+              <a:ext uri="{FF2B5EF4-FFF2-40B4-BE49-F238E27FC236}">
+                <a16:creationId xmlns:a16="http://schemas.microsoft.com/office/drawing/2014/main" id="{F8C81AB8-2A0F-6321-09B1-03AAC3E82DBF}"/>
+              </a:ext>
+            </a:extLst>
+          </p:cNvPr>
+          <p:cNvSpPr>
+            <a:spLocks noGrp="1"/>
+          </p:cNvSpPr>
+          <p:nvPr>
+            <p:ph idx="1"/>
           </p:nvPr>
         </p:nvSpPr>
         <p:spPr>
           <a:xfrm>
-            <a:off x="693234" y="681037"/>
-            <a:ext cx="10515600" cy="1325563"/>
+            <a:off x="1250795" y="1527717"/>
+            <a:ext cx="10515600" cy="4863676"/>
           </a:xfrm>
         </p:spPr>
         <p:txBody>
           <a:bodyPr>
-            <a:normAutofit fontScale="90000"/>
+            <a:normAutofit fontScale="92500" lnSpcReduction="20000"/>
           </a:bodyPr>
           <a:lstStyle/>
           <a:p>
+            <a:pPr marL="0" indent="0">
+              <a:buNone/>
+            </a:pPr>
+            <a:r>
+              <a:rPr kumimoji="1" lang="en-US" altLang="zh-CN" dirty="0"/>
+              <a:t>1</a:t>
+            </a:r>
             <a:r>
               <a:rPr kumimoji="1" lang="zh-CN" altLang="en-US" dirty="0"/>
-              <a:t>相关链接：</a:t>
-            </a:r>
-            <a:br>
+              <a:t>、如何保证</a:t>
+            </a:r>
+            <a:r>
+              <a:rPr kumimoji="1" lang="en-US" altLang="zh-CN" dirty="0" err="1"/>
+              <a:t>json</a:t>
+            </a:r>
+            <a:r>
+              <a:rPr kumimoji="1" lang="zh-CN" altLang="en-US" dirty="0"/>
+              <a:t>格式化输出：</a:t>
+            </a:r>
+            <a:endParaRPr kumimoji="1" lang="en-US" altLang="zh-CN" dirty="0"/>
+          </a:p>
+          <a:p>
+            <a:pPr marL="0" indent="0">
+              <a:buNone/>
+            </a:pPr>
+            <a:r>
+              <a:rPr lang="zh-CN" altLang="en-US" sz="1800" b="1" dirty="0"/>
+              <a:t>   提示工程（</a:t>
+            </a:r>
+            <a:r>
+              <a:rPr lang="en" altLang="zh-CN" sz="1800" b="1" dirty="0"/>
+              <a:t>Prompt Engineering</a:t>
+            </a:r>
+            <a:r>
+              <a:rPr lang="zh-CN" altLang="en" sz="1800" b="1" dirty="0"/>
+              <a:t>）</a:t>
+            </a:r>
+            <a:r>
+              <a:rPr lang="zh-CN" altLang="en-US" sz="1800" b="1" dirty="0"/>
+              <a:t>：</a:t>
+            </a:r>
+            <a:r>
+              <a:rPr lang="zh-CN" altLang="en-US" sz="1800" dirty="0"/>
+              <a:t>通过 </a:t>
+            </a:r>
+            <a:r>
+              <a:rPr lang="zh-CN" altLang="en-US" sz="1800" b="1" dirty="0"/>
+              <a:t>显式要求 </a:t>
+            </a:r>
+            <a:r>
+              <a:rPr lang="en-US" altLang="zh-CN" sz="1800" b="1" dirty="0"/>
+              <a:t>+ </a:t>
+            </a:r>
+            <a:r>
+              <a:rPr lang="zh-CN" altLang="en-US" sz="1800" b="1" dirty="0"/>
+              <a:t>提供 </a:t>
+            </a:r>
+            <a:r>
+              <a:rPr lang="en" altLang="zh-CN" sz="1800" b="1" dirty="0"/>
+              <a:t>JSON </a:t>
+            </a:r>
+            <a:r>
+              <a:rPr lang="zh-CN" altLang="en-US" sz="1800" b="1" dirty="0"/>
+              <a:t>模板</a:t>
+            </a:r>
+            <a:r>
+              <a:rPr lang="zh-CN" altLang="en-US" sz="1800" dirty="0"/>
+              <a:t> 来约束模型输出。</a:t>
+            </a:r>
+            <a:endParaRPr kumimoji="1" lang="en-US" altLang="zh-CN" sz="1800" dirty="0"/>
+          </a:p>
+          <a:p>
+            <a:pPr marL="0" indent="0">
+              <a:buNone/>
+            </a:pPr>
+            <a:r>
+              <a:rPr kumimoji="1" lang="zh-CN" altLang="en-US" dirty="0"/>
+              <a:t>  </a:t>
+            </a:r>
+            <a:r>
+              <a:rPr kumimoji="1" lang="zh-CN" altLang="en-US" sz="1800" dirty="0"/>
+              <a:t>（</a:t>
+            </a:r>
+            <a:r>
+              <a:rPr kumimoji="1" lang="en-US" altLang="zh-CN" sz="1800" dirty="0"/>
+              <a:t>1</a:t>
+            </a:r>
+            <a:r>
+              <a:rPr kumimoji="1" lang="zh-CN" altLang="en-US" sz="1800" dirty="0"/>
+              <a:t>）</a:t>
+            </a:r>
+            <a:r>
+              <a:rPr lang="en" altLang="zh-CN" sz="1800" dirty="0" err="1"/>
+              <a:t>SystemMessage</a:t>
+            </a:r>
+            <a:r>
+              <a:rPr lang="en" altLang="zh-CN" sz="1800" dirty="0"/>
+              <a:t> </a:t>
+            </a:r>
+            <a:r>
+              <a:rPr lang="zh-CN" altLang="en-US" sz="1800" dirty="0"/>
+              <a:t>里硬性要求：</a:t>
+            </a:r>
+            <a:r>
+              <a:rPr lang="zh-CN" altLang="en-US" sz="1900" dirty="0"/>
+              <a:t>这是告诉模型输出必须是 </a:t>
+            </a:r>
+            <a:r>
+              <a:rPr lang="en" altLang="zh-CN" sz="1900" dirty="0"/>
+              <a:t>JSON</a:t>
+            </a:r>
+            <a:r>
+              <a:rPr lang="zh-CN" altLang="en" sz="1900" dirty="0"/>
+              <a:t>，</a:t>
+            </a:r>
+            <a:r>
+              <a:rPr lang="zh-CN" altLang="en-US" sz="1900" dirty="0"/>
+              <a:t>不要多余解释</a:t>
+            </a:r>
+            <a:endParaRPr lang="en-US" altLang="zh-CN" sz="1900" dirty="0"/>
+          </a:p>
+          <a:p>
+            <a:pPr marL="0" indent="0">
+              <a:buNone/>
+            </a:pPr>
+            <a:r>
+              <a:rPr lang="zh-CN" altLang="en-US" sz="1800" dirty="0"/>
+              <a:t>    </a:t>
+            </a:r>
+            <a:r>
+              <a:rPr lang="en-US" altLang="zh-CN" sz="1800" dirty="0"/>
+              <a:t>	</a:t>
+            </a:r>
+            <a:r>
+              <a:rPr lang="en-US" altLang="zh-CN" sz="1900" dirty="0"/>
+              <a:t>"</a:t>
+            </a:r>
+            <a:r>
+              <a:rPr lang="zh-CN" altLang="en-US" sz="1900" dirty="0"/>
+              <a:t>输出必须严格遵循 </a:t>
+            </a:r>
+            <a:r>
+              <a:rPr lang="en-US" altLang="zh-CN" sz="1900" dirty="0"/>
+              <a:t>JSON </a:t>
+            </a:r>
+            <a:r>
+              <a:rPr lang="zh-CN" altLang="en-US" sz="1900" dirty="0"/>
+              <a:t>结构，若字段信息没有，请使用空字符串。</a:t>
+            </a:r>
+            <a:r>
+              <a:rPr lang="en-US" altLang="zh-CN" sz="1900" dirty="0"/>
+              <a:t>"</a:t>
+            </a:r>
+          </a:p>
+          <a:p>
+            <a:pPr marL="0" indent="0">
+              <a:buNone/>
+            </a:pPr>
+            <a:r>
+              <a:rPr lang="zh-CN" altLang="en-US" sz="1800" dirty="0"/>
+              <a:t>   （</a:t>
+            </a:r>
+            <a:r>
+              <a:rPr lang="en-US" altLang="zh-CN" sz="1800" dirty="0"/>
+              <a:t>2</a:t>
+            </a:r>
+            <a:r>
+              <a:rPr lang="zh-CN" altLang="en-US" sz="1800" dirty="0"/>
+              <a:t>）</a:t>
+            </a:r>
+            <a:r>
+              <a:rPr lang="zh-CN" altLang="en-US" sz="1900" dirty="0"/>
+              <a:t>在 </a:t>
+            </a:r>
+            <a:r>
+              <a:rPr lang="en" altLang="zh-CN" sz="1900" dirty="0" err="1"/>
+              <a:t>user_content</a:t>
+            </a:r>
+            <a:r>
+              <a:rPr lang="en" altLang="zh-CN" sz="1900" dirty="0"/>
+              <a:t> </a:t>
+            </a:r>
+            <a:r>
+              <a:rPr lang="zh-CN" altLang="en-US" sz="1900" dirty="0"/>
+              <a:t>里给了 </a:t>
+            </a:r>
+            <a:r>
+              <a:rPr lang="en" altLang="zh-CN" sz="1900" dirty="0"/>
+              <a:t>JSON </a:t>
+            </a:r>
+            <a:r>
+              <a:rPr lang="zh-CN" altLang="en-US" sz="1900" dirty="0"/>
+              <a:t>模板：这相当于给模型一个 “目标结构”，它会参考这个模板来填充</a:t>
+            </a:r>
+            <a:endParaRPr lang="en-US" altLang="zh-CN" sz="1900" dirty="0"/>
+          </a:p>
+          <a:p>
+            <a:pPr marL="0" indent="0">
+              <a:buNone/>
+            </a:pPr>
+            <a:r>
+              <a:rPr lang="zh-CN" altLang="en-US" sz="1900" dirty="0"/>
+              <a:t>            字段，减少乱输出的可能性。</a:t>
+            </a:r>
+            <a:endParaRPr lang="en-US" altLang="zh-CN" sz="1900" dirty="0"/>
+          </a:p>
+          <a:p>
+            <a:pPr marL="0" indent="0">
+              <a:buNone/>
+            </a:pPr>
+            <a:r>
+              <a:rPr lang="en-US" altLang="zh-CN" sz="1900" dirty="0"/>
+              <a:t>	"</a:t>
+            </a:r>
+            <a:r>
+              <a:rPr lang="en-US" altLang="zh-CN" sz="1900" dirty="0" err="1"/>
+              <a:t>json_template</a:t>
+            </a:r>
+            <a:r>
+              <a:rPr lang="en-US" altLang="zh-CN" sz="1900" dirty="0"/>
+              <a:t>": {</a:t>
+            </a:r>
+          </a:p>
+          <a:p>
+            <a:pPr marL="0" indent="0">
+              <a:buNone/>
+            </a:pPr>
+            <a:r>
+              <a:rPr lang="en-US" altLang="zh-CN" sz="1900" dirty="0"/>
+              <a:t>   		 "</a:t>
+            </a:r>
+            <a:r>
+              <a:rPr lang="zh-CN" altLang="en-US" sz="1900" dirty="0"/>
+              <a:t>患者信息</a:t>
+            </a:r>
+            <a:r>
+              <a:rPr lang="en-US" altLang="zh-CN" sz="1900" dirty="0"/>
+              <a:t>": {"</a:t>
+            </a:r>
+            <a:r>
+              <a:rPr lang="zh-CN" altLang="en-US" sz="1900" dirty="0"/>
+              <a:t>年龄</a:t>
+            </a:r>
+            <a:r>
+              <a:rPr lang="en-US" altLang="zh-CN" sz="1900" dirty="0"/>
+              <a:t>": "", "</a:t>
+            </a:r>
+            <a:r>
+              <a:rPr lang="zh-CN" altLang="en-US" sz="1900" dirty="0"/>
+              <a:t>性别</a:t>
+            </a:r>
+            <a:r>
+              <a:rPr lang="en-US" altLang="zh-CN" sz="1900" dirty="0"/>
+              <a:t>": "", "</a:t>
+            </a:r>
+            <a:r>
+              <a:rPr lang="zh-CN" altLang="en-US" sz="1900" dirty="0"/>
+              <a:t>入院日期</a:t>
+            </a:r>
+            <a:r>
+              <a:rPr lang="en-US" altLang="zh-CN" sz="1900" dirty="0"/>
+              <a:t>": ""},</a:t>
+            </a:r>
+          </a:p>
+          <a:p>
+            <a:pPr marL="0" indent="0">
+              <a:buNone/>
+            </a:pPr>
+            <a:r>
+              <a:rPr lang="en-US" altLang="zh-CN" sz="1900" dirty="0"/>
+              <a:t>   		 ...</a:t>
+            </a:r>
+          </a:p>
+          <a:p>
+            <a:pPr marL="0" indent="0">
+              <a:buNone/>
+            </a:pPr>
+            <a:r>
+              <a:rPr lang="en-US" altLang="zh-CN" sz="1900" dirty="0"/>
+              <a:t>	}</a:t>
+            </a:r>
+            <a:endParaRPr kumimoji="1" lang="en-US" altLang="zh-CN" dirty="0"/>
+          </a:p>
+          <a:p>
+            <a:pPr marL="0" indent="0">
+              <a:buNone/>
+            </a:pPr>
+            <a:r>
               <a:rPr kumimoji="1" lang="en-US" altLang="zh-CN" dirty="0"/>
-            </a:br>
-            <a:br>
+              <a:t>2</a:t>
+            </a:r>
+            <a:r>
+              <a:rPr kumimoji="1" lang="zh-CN" altLang="en-US" dirty="0"/>
+              <a:t>、如何减少</a:t>
+            </a:r>
+            <a:r>
               <a:rPr kumimoji="1" lang="en-US" altLang="zh-CN" dirty="0"/>
-            </a:br>
-            <a:endParaRPr kumimoji="1" lang="zh-CN" altLang="en-US" dirty="0"/>
-          </a:p>
-        </p:txBody>
-      </p:sp>
-      <p:sp>
-        <p:nvSpPr>
-          <p:cNvPr id="6" name="内容占位符 5">
-            <a:extLst>
-              <a:ext uri="{FF2B5EF4-FFF2-40B4-BE49-F238E27FC236}">
-                <a16:creationId xmlns:a16="http://schemas.microsoft.com/office/drawing/2014/main" id="{820529C6-A628-02BC-3BC0-859E9CB5623A}"/>
-              </a:ext>
-            </a:extLst>
-          </p:cNvPr>
-          <p:cNvSpPr>
-            <a:spLocks noGrp="1"/>
-          </p:cNvSpPr>
-          <p:nvPr>
-            <p:ph idx="1"/>
-          </p:nvPr>
-        </p:nvSpPr>
-        <p:spPr>
-          <a:xfrm>
-            <a:off x="693234" y="1546845"/>
-            <a:ext cx="10515600" cy="4351338"/>
-          </a:xfrm>
-        </p:spPr>
-        <p:txBody>
-          <a:bodyPr/>
-          <a:lstStyle/>
+              <a:t>docker</a:t>
+            </a:r>
+            <a:r>
+              <a:rPr kumimoji="1" lang="zh-CN" altLang="en-US" dirty="0"/>
+              <a:t>镜像体积：</a:t>
+            </a:r>
+            <a:endParaRPr kumimoji="1" lang="en-US" altLang="zh-CN" dirty="0"/>
+          </a:p>
           <a:p>
             <a:pPr marL="0" indent="0">
               <a:buNone/>
             </a:pPr>
             <a:r>
-              <a:rPr lang="en-US" altLang="zh-CN" dirty="0" err="1"/>
-              <a:t>Fastapi</a:t>
-            </a:r>
-            <a:r>
-              <a:rPr lang="zh-CN" altLang="en-US" dirty="0"/>
-              <a:t>使用：</a:t>
-            </a:r>
-            <a:endParaRPr lang="en-US" altLang="zh-CN" dirty="0"/>
+              <a:rPr lang="zh-CN" altLang="en-US" sz="1800" dirty="0"/>
+              <a:t>          </a:t>
+            </a:r>
+            <a:r>
+              <a:rPr lang="en" altLang="zh-CN" sz="1800" dirty="0"/>
+              <a:t>apt-get install -y --no-install-recommends </a:t>
+            </a:r>
+            <a:r>
+              <a:rPr lang="zh-CN" altLang="en-US" sz="1800" dirty="0"/>
+              <a:t>只装必需包</a:t>
+            </a:r>
+            <a:endParaRPr lang="en-US" altLang="zh-CN" sz="1800" dirty="0"/>
           </a:p>
           <a:p>
             <a:pPr marL="0" indent="0">
               <a:buNone/>
             </a:pPr>
             <a:r>
-              <a:rPr lang="en" altLang="zh-CN" dirty="0">
-                <a:hlinkClick r:id="rId2"/>
+              <a:rPr lang="zh-CN" altLang="en-US" sz="1800" dirty="0"/>
+              <a:t>          </a:t>
+            </a:r>
+            <a:r>
+              <a:rPr lang="en" altLang="zh-CN" sz="1800" dirty="0">
+                <a:effectLst/>
               </a:rPr>
-              <a:t>https://www.runoob.com/fastapi/fastapi-request-response.html</a:t>
-            </a:r>
-            <a:endParaRPr lang="en" altLang="zh-CN" dirty="0"/>
+              <a:t>rm -rf /var/lib/apt/lists/*</a:t>
+            </a:r>
+            <a:r>
+              <a:rPr lang="zh-CN" altLang="en-US" sz="1800" dirty="0">
+                <a:effectLst/>
+              </a:rPr>
+              <a:t> 清理</a:t>
+            </a:r>
+            <a:r>
+              <a:rPr lang="en-US" altLang="zh-CN" sz="1800" dirty="0">
+                <a:effectLst/>
+              </a:rPr>
+              <a:t>apt</a:t>
+            </a:r>
+            <a:r>
+              <a:rPr lang="zh-CN" altLang="en-US" sz="1800" dirty="0">
+                <a:effectLst/>
+              </a:rPr>
+              <a:t>安装缓存</a:t>
+            </a:r>
+            <a:endParaRPr lang="en-US" altLang="zh-CN" sz="1800" dirty="0">
+              <a:effectLst/>
+            </a:endParaRPr>
           </a:p>
           <a:p>
             <a:pPr marL="0" indent="0">
               <a:buNone/>
             </a:pPr>
             <a:r>
-              <a:rPr lang="zh-CN" altLang="en" dirty="0"/>
-              <a:t>本地化</a:t>
-            </a:r>
-            <a:r>
-              <a:rPr lang="zh-CN" altLang="en-US" dirty="0"/>
-              <a:t>部署（</a:t>
-            </a:r>
-            <a:r>
-              <a:rPr lang="en" altLang="zh-CN" i="0" dirty="0">
-                <a:solidFill>
-                  <a:srgbClr val="4D4D4D"/>
-                </a:solidFill>
+              <a:rPr lang="zh-CN" altLang="en-US" sz="1800" dirty="0"/>
+              <a:t>          </a:t>
+            </a:r>
+            <a:r>
+              <a:rPr lang="en" altLang="zh-CN" sz="1800" dirty="0">
                 <a:effectLst/>
-                <a:latin typeface="-apple-system"/>
               </a:rPr>
-              <a:t>ASGI</a:t>
-            </a:r>
-            <a:r>
-              <a:rPr lang="zh-CN" altLang="en-US" i="0" dirty="0">
-                <a:solidFill>
-                  <a:srgbClr val="4D4D4D"/>
-                </a:solidFill>
+              <a:t>pip install --no-cache-</a:t>
+            </a:r>
+            <a:r>
+              <a:rPr lang="en" altLang="zh-CN" sz="1800" dirty="0" err="1">
                 <a:effectLst/>
-                <a:latin typeface="-apple-system"/>
               </a:rPr>
-              <a:t>服务</a:t>
-            </a:r>
-            <a:r>
-              <a:rPr lang="zh-CN" altLang="en-US" dirty="0"/>
-              <a:t>）：</a:t>
-            </a:r>
-            <a:r>
-              <a:rPr lang="en" altLang="zh-CN" dirty="0">
-                <a:hlinkClick r:id="rId3"/>
+              <a:t>dir</a:t>
+            </a:r>
+            <a:r>
+              <a:rPr lang="zh-CN" altLang="en-US" sz="1800" dirty="0">
+                <a:effectLst/>
               </a:rPr>
-              <a:t>https://blog.csdn.net/qq_39172059/article/details/136518206</a:t>
-            </a:r>
-            <a:endParaRPr lang="en" altLang="zh-CN" dirty="0"/>
+              <a:t> </a:t>
+            </a:r>
+            <a:r>
+              <a:rPr lang="zh-CN" altLang="en-US" sz="1800" dirty="0"/>
+              <a:t>避免 </a:t>
+            </a:r>
+            <a:r>
+              <a:rPr lang="en" altLang="zh-CN" sz="1800" dirty="0"/>
+              <a:t>pip </a:t>
+            </a:r>
+            <a:r>
+              <a:rPr lang="zh-CN" altLang="en-US" sz="1800" dirty="0"/>
+              <a:t>缓存，减少镜像体积</a:t>
+            </a:r>
+            <a:r>
+              <a:rPr kumimoji="1" lang="zh-CN" altLang="en-US" sz="1800" dirty="0"/>
+              <a:t>  </a:t>
+            </a:r>
           </a:p>
           <a:p>
             <a:pPr marL="0" indent="0">
               <a:buNone/>
             </a:pPr>
-            <a:r>
-              <a:rPr lang="en" altLang="zh-CN" dirty="0"/>
-              <a:t>Docker</a:t>
-            </a:r>
-            <a:r>
-              <a:rPr lang="zh-CN" altLang="en-US" dirty="0"/>
-              <a:t>：</a:t>
-            </a:r>
-            <a:endParaRPr lang="en-US" altLang="zh-CN" dirty="0"/>
-          </a:p>
-          <a:p>
-            <a:pPr marL="0" indent="0">
-              <a:buNone/>
-            </a:pPr>
-            <a:r>
-              <a:rPr lang="en" altLang="zh-CN" dirty="0">
-                <a:hlinkClick r:id="rId4"/>
-              </a:rPr>
-              <a:t>https://</a:t>
-            </a:r>
-            <a:r>
-              <a:rPr lang="en" altLang="zh-CN" dirty="0" err="1">
-                <a:hlinkClick r:id="rId4"/>
-              </a:rPr>
-              <a:t>blog.csdn.net</a:t>
-            </a:r>
-            <a:r>
-              <a:rPr lang="en" altLang="zh-CN" dirty="0">
-                <a:hlinkClick r:id="rId4"/>
-              </a:rPr>
-              <a:t>/qq_41973632/article/details/142464164</a:t>
-            </a:r>
-            <a:endParaRPr lang="en" altLang="zh-CN" dirty="0"/>
-          </a:p>
-          <a:p>
-            <a:pPr marL="0" indent="0">
-              <a:buNone/>
-            </a:pPr>
-            <a:r>
-              <a:rPr lang="en" altLang="zh-CN" dirty="0"/>
-              <a:t>Git</a:t>
-            </a:r>
-            <a:r>
-              <a:rPr lang="zh-CN" altLang="en" dirty="0"/>
-              <a:t>安装</a:t>
-            </a:r>
-            <a:r>
-              <a:rPr lang="zh-CN" altLang="en-US" dirty="0"/>
-              <a:t>和</a:t>
-            </a:r>
-            <a:r>
-              <a:rPr lang="en-US" altLang="zh-CN" dirty="0" err="1"/>
-              <a:t>github</a:t>
-            </a:r>
-            <a:r>
-              <a:rPr lang="zh-CN" altLang="en-US" dirty="0"/>
-              <a:t>使用（</a:t>
-            </a:r>
-            <a:r>
-              <a:rPr lang="en-US" altLang="zh-CN" dirty="0"/>
-              <a:t>Mac OS</a:t>
-            </a:r>
-            <a:r>
-              <a:rPr lang="zh-CN" altLang="en-US" dirty="0"/>
-              <a:t>）：</a:t>
-            </a:r>
-            <a:endParaRPr lang="en-US" altLang="zh-CN" dirty="0"/>
-          </a:p>
-          <a:p>
-            <a:pPr marL="0" indent="0">
-              <a:buNone/>
-            </a:pPr>
-            <a:r>
-              <a:rPr lang="en-US" altLang="zh-CN" dirty="0">
-                <a:hlinkClick r:id="rId5"/>
-              </a:rPr>
-              <a:t>https://</a:t>
-            </a:r>
-            <a:r>
-              <a:rPr lang="en-US" altLang="zh-CN" dirty="0" err="1">
-                <a:hlinkClick r:id="rId5"/>
-              </a:rPr>
-              <a:t>blog.csdn.net</a:t>
-            </a:r>
-            <a:r>
-              <a:rPr lang="en-US" altLang="zh-CN" dirty="0">
-                <a:hlinkClick r:id="rId5"/>
-              </a:rPr>
-              <a:t>/qq_36332660/article/details/131024361</a:t>
-            </a:r>
-            <a:endParaRPr lang="en-US" altLang="zh-CN" dirty="0"/>
-          </a:p>
-          <a:p>
-            <a:pPr marL="0" indent="0">
-              <a:buNone/>
-            </a:pPr>
-            <a:endParaRPr lang="en-US" altLang="zh-CN" dirty="0"/>
-          </a:p>
-          <a:p>
-            <a:endParaRPr lang="zh-CN" altLang="en-US" dirty="0"/>
+            <a:endParaRPr kumimoji="1" lang="en-US" altLang="zh-CN" sz="1600" dirty="0"/>
           </a:p>
         </p:txBody>
       </p:sp>
     </p:spTree>
     <p:extLst>
       <p:ext uri="{BB962C8B-B14F-4D97-AF65-F5344CB8AC3E}">
-        <p14:creationId xmlns:p14="http://schemas.microsoft.com/office/powerpoint/2010/main" val="3511774112"/>
+        <p14:creationId xmlns:p14="http://schemas.microsoft.com/office/powerpoint/2010/main" val="1112528702"/>
       </p:ext>
     </p:extLst>
   </p:cSld>
@@ -5654,7 +5939,7 @@
           <p:cNvPr id="2" name="标题 1">
             <a:extLst>
               <a:ext uri="{FF2B5EF4-FFF2-40B4-BE49-F238E27FC236}">
-                <a16:creationId xmlns:a16="http://schemas.microsoft.com/office/drawing/2014/main" id="{6B0CCC21-217A-5078-8C94-5FE39442F1AA}"/>
+                <a16:creationId xmlns:a16="http://schemas.microsoft.com/office/drawing/2014/main" id="{36247BF1-508A-52C2-B7C1-2288D697D78B}"/>
               </a:ext>
             </a:extLst>
           </p:cNvPr>
@@ -5665,168 +5950,238 @@
             <p:ph type="title"/>
           </p:nvPr>
         </p:nvSpPr>
-        <p:spPr/>
+        <p:spPr>
+          <a:xfrm>
+            <a:off x="693234" y="681037"/>
+            <a:ext cx="10515600" cy="1325563"/>
+          </a:xfrm>
+        </p:spPr>
+        <p:txBody>
+          <a:bodyPr>
+            <a:normAutofit fontScale="90000"/>
+          </a:bodyPr>
+          <a:lstStyle/>
+          <a:p>
+            <a:r>
+              <a:rPr kumimoji="1" lang="zh-CN" altLang="en-US" dirty="0"/>
+              <a:t>相关链接：</a:t>
+            </a:r>
+            <a:br>
+              <a:rPr kumimoji="1" lang="en-US" altLang="zh-CN" dirty="0"/>
+            </a:br>
+            <a:br>
+              <a:rPr kumimoji="1" lang="en-US" altLang="zh-CN" dirty="0"/>
+            </a:br>
+            <a:endParaRPr kumimoji="1" lang="zh-CN" altLang="en-US" dirty="0"/>
+          </a:p>
+        </p:txBody>
+      </p:sp>
+      <p:sp>
+        <p:nvSpPr>
+          <p:cNvPr id="6" name="内容占位符 5">
+            <a:extLst>
+              <a:ext uri="{FF2B5EF4-FFF2-40B4-BE49-F238E27FC236}">
+                <a16:creationId xmlns:a16="http://schemas.microsoft.com/office/drawing/2014/main" id="{820529C6-A628-02BC-3BC0-859E9CB5623A}"/>
+              </a:ext>
+            </a:extLst>
+          </p:cNvPr>
+          <p:cNvSpPr>
+            <a:spLocks noGrp="1"/>
+          </p:cNvSpPr>
+          <p:nvPr>
+            <p:ph idx="1"/>
+          </p:nvPr>
+        </p:nvSpPr>
+        <p:spPr>
+          <a:xfrm>
+            <a:off x="693234" y="1546845"/>
+            <a:ext cx="10515600" cy="4351338"/>
+          </a:xfrm>
+        </p:spPr>
         <p:txBody>
           <a:bodyPr/>
           <a:lstStyle/>
           <a:p>
-            <a:r>
-              <a:rPr kumimoji="1" lang="en-US" altLang="zh-CN"/>
-              <a:t>Tips</a:t>
-            </a:r>
-            <a:r>
-              <a:rPr kumimoji="1" lang="zh-CN" altLang="en-US"/>
+            <a:pPr marL="0" indent="0">
+              <a:buNone/>
+            </a:pPr>
+            <a:r>
+              <a:rPr lang="en-US" altLang="zh-CN" dirty="0" err="1"/>
+              <a:t>Fastapi</a:t>
+            </a:r>
+            <a:r>
+              <a:rPr lang="zh-CN" altLang="en-US" dirty="0"/>
+              <a:t>使用：</a:t>
+            </a:r>
+            <a:endParaRPr lang="en-US" altLang="zh-CN" dirty="0"/>
+          </a:p>
+          <a:p>
+            <a:pPr marL="0" indent="0">
+              <a:buNone/>
+            </a:pPr>
+            <a:r>
+              <a:rPr lang="en" altLang="zh-CN" dirty="0">
+                <a:hlinkClick r:id="rId2"/>
+              </a:rPr>
+              <a:t>https://www.runoob.com/fastapi/fastapi-request-response.html</a:t>
+            </a:r>
+            <a:endParaRPr lang="en" altLang="zh-CN" dirty="0"/>
+          </a:p>
+          <a:p>
+            <a:pPr marL="0" indent="0">
+              <a:buNone/>
+            </a:pPr>
+            <a:r>
+              <a:rPr lang="zh-CN" altLang="en" dirty="0"/>
+              <a:t>本地化</a:t>
+            </a:r>
+            <a:r>
+              <a:rPr lang="zh-CN" altLang="en-US" dirty="0"/>
+              <a:t>部署（</a:t>
+            </a:r>
+            <a:r>
+              <a:rPr lang="en" altLang="zh-CN" i="0" dirty="0">
+                <a:solidFill>
+                  <a:srgbClr val="4D4D4D"/>
+                </a:solidFill>
+                <a:effectLst/>
+                <a:latin typeface="-apple-system"/>
+              </a:rPr>
+              <a:t>ASGI</a:t>
+            </a:r>
+            <a:r>
+              <a:rPr lang="zh-CN" altLang="en-US" i="0" dirty="0">
+                <a:solidFill>
+                  <a:srgbClr val="4D4D4D"/>
+                </a:solidFill>
+                <a:effectLst/>
+                <a:latin typeface="-apple-system"/>
+              </a:rPr>
+              <a:t>服务</a:t>
+            </a:r>
+            <a:r>
+              <a:rPr lang="zh-CN" altLang="en-US" dirty="0"/>
+              <a:t>）：</a:t>
+            </a:r>
+            <a:r>
+              <a:rPr lang="en" altLang="zh-CN" dirty="0">
+                <a:hlinkClick r:id="rId3"/>
+              </a:rPr>
+              <a:t>https://blog.csdn.net/qq_39172059/article/details/136518206</a:t>
+            </a:r>
+            <a:endParaRPr lang="en" altLang="zh-CN" dirty="0"/>
+          </a:p>
+          <a:p>
+            <a:pPr marL="0" indent="0">
+              <a:buNone/>
+            </a:pPr>
+            <a:r>
+              <a:rPr lang="en" altLang="zh-CN" dirty="0"/>
+              <a:t>Docker</a:t>
+            </a:r>
+            <a:r>
+              <a:rPr lang="zh-CN" altLang="en-US" dirty="0"/>
               <a:t>：</a:t>
             </a:r>
-            <a:endParaRPr kumimoji="1" lang="zh-CN" altLang="en-US" dirty="0"/>
-          </a:p>
-        </p:txBody>
-      </p:sp>
-      <p:sp>
-        <p:nvSpPr>
-          <p:cNvPr id="3" name="内容占位符 2">
-            <a:extLst>
-              <a:ext uri="{FF2B5EF4-FFF2-40B4-BE49-F238E27FC236}">
-                <a16:creationId xmlns:a16="http://schemas.microsoft.com/office/drawing/2014/main" id="{F8C81AB8-2A0F-6321-09B1-03AAC3E82DBF}"/>
-              </a:ext>
-            </a:extLst>
-          </p:cNvPr>
-          <p:cNvSpPr>
-            <a:spLocks noGrp="1"/>
-          </p:cNvSpPr>
-          <p:nvPr>
-            <p:ph idx="1"/>
-          </p:nvPr>
-        </p:nvSpPr>
-        <p:spPr/>
-        <p:txBody>
-          <a:bodyPr/>
-          <a:lstStyle/>
-          <a:p>
-            <a:r>
-              <a:rPr kumimoji="1" lang="zh-CN" altLang="en-US" dirty="0"/>
-              <a:t>减少</a:t>
-            </a:r>
-            <a:r>
-              <a:rPr kumimoji="1" lang="en-US" altLang="zh-CN" dirty="0"/>
-              <a:t>docker</a:t>
-            </a:r>
-            <a:r>
-              <a:rPr kumimoji="1" lang="zh-CN" altLang="en-US" dirty="0"/>
-              <a:t>镜像体积：</a:t>
-            </a:r>
-            <a:endParaRPr kumimoji="1" lang="en-US" altLang="zh-CN" dirty="0"/>
+            <a:endParaRPr lang="en-US" altLang="zh-CN" dirty="0"/>
           </a:p>
           <a:p>
             <a:pPr marL="0" indent="0">
               <a:buNone/>
             </a:pPr>
             <a:r>
-              <a:rPr lang="zh-CN" altLang="en-US" sz="1800" dirty="0"/>
-              <a:t>  </a:t>
-            </a:r>
-            <a:r>
-              <a:rPr lang="en" altLang="zh-CN" sz="1800" dirty="0"/>
-              <a:t>apt-get install -y --no-install-recommends </a:t>
-            </a:r>
-            <a:r>
-              <a:rPr lang="zh-CN" altLang="en-US" sz="1800" dirty="0"/>
-              <a:t>只装必需包</a:t>
-            </a:r>
-            <a:endParaRPr lang="en-US" altLang="zh-CN" sz="1800" dirty="0"/>
+              <a:rPr lang="en" altLang="zh-CN" dirty="0">
+                <a:hlinkClick r:id="rId4"/>
+              </a:rPr>
+              <a:t>https://</a:t>
+            </a:r>
+            <a:r>
+              <a:rPr lang="en" altLang="zh-CN" dirty="0" err="1">
+                <a:hlinkClick r:id="rId4"/>
+              </a:rPr>
+              <a:t>blog.csdn.net</a:t>
+            </a:r>
+            <a:r>
+              <a:rPr lang="en" altLang="zh-CN" dirty="0">
+                <a:hlinkClick r:id="rId4"/>
+              </a:rPr>
+              <a:t>/qq_41973632/article/details/142464164</a:t>
+            </a:r>
+            <a:endParaRPr lang="en" altLang="zh-CN" dirty="0"/>
           </a:p>
           <a:p>
             <a:pPr marL="0" indent="0">
               <a:buNone/>
             </a:pPr>
             <a:r>
-              <a:rPr lang="zh-CN" altLang="en-US" sz="1800" dirty="0"/>
-              <a:t>  </a:t>
-            </a:r>
-            <a:r>
-              <a:rPr lang="en" altLang="zh-CN" sz="1800" dirty="0">
-                <a:effectLst/>
+              <a:rPr lang="en" altLang="zh-CN" dirty="0"/>
+              <a:t>Git</a:t>
+            </a:r>
+            <a:r>
+              <a:rPr lang="zh-CN" altLang="en" dirty="0"/>
+              <a:t>安装</a:t>
+            </a:r>
+            <a:r>
+              <a:rPr lang="zh-CN" altLang="en-US" dirty="0"/>
+              <a:t>和</a:t>
+            </a:r>
+            <a:r>
+              <a:rPr lang="en-US" altLang="zh-CN" dirty="0" err="1"/>
+              <a:t>github</a:t>
+            </a:r>
+            <a:r>
+              <a:rPr lang="zh-CN" altLang="en-US" dirty="0"/>
+              <a:t>使用（</a:t>
+            </a:r>
+            <a:r>
+              <a:rPr lang="en-US" altLang="zh-CN" dirty="0"/>
+              <a:t>Mac OS</a:t>
+            </a:r>
+            <a:r>
+              <a:rPr lang="zh-CN" altLang="en-US" dirty="0"/>
+              <a:t>）：</a:t>
+            </a:r>
+            <a:endParaRPr lang="en-US" altLang="zh-CN" dirty="0"/>
+          </a:p>
+          <a:p>
+            <a:pPr marL="0" indent="0">
+              <a:buNone/>
+            </a:pPr>
+            <a:r>
+              <a:rPr lang="en-US" altLang="zh-CN" dirty="0">
+                <a:hlinkClick r:id="rId5"/>
               </a:rPr>
-              <a:t>rm -rf /var/lib/apt/lists/*</a:t>
-            </a:r>
-            <a:r>
-              <a:rPr lang="zh-CN" altLang="en-US" sz="1800" dirty="0">
-                <a:effectLst/>
+              <a:t>https://</a:t>
+            </a:r>
+            <a:r>
+              <a:rPr lang="en-US" altLang="zh-CN" dirty="0" err="1">
+                <a:hlinkClick r:id="rId5"/>
               </a:rPr>
-              <a:t> 清理</a:t>
-            </a:r>
-            <a:r>
-              <a:rPr lang="en-US" altLang="zh-CN" sz="1800" dirty="0">
-                <a:effectLst/>
+              <a:t>blog.csdn.net</a:t>
+            </a:r>
+            <a:r>
+              <a:rPr lang="en-US" altLang="zh-CN" dirty="0">
+                <a:hlinkClick r:id="rId5"/>
               </a:rPr>
-              <a:t>apt</a:t>
-            </a:r>
-            <a:r>
-              <a:rPr lang="zh-CN" altLang="en-US" sz="1800" dirty="0">
-                <a:effectLst/>
-              </a:rPr>
-              <a:t>安装缓存</a:t>
-            </a:r>
-            <a:endParaRPr lang="en-US" altLang="zh-CN" sz="1800" dirty="0">
-              <a:effectLst/>
-            </a:endParaRPr>
+              <a:t>/qq_36332660/article/details/131024361</a:t>
+            </a:r>
+            <a:endParaRPr lang="en-US" altLang="zh-CN" dirty="0"/>
           </a:p>
           <a:p>
             <a:pPr marL="0" indent="0">
               <a:buNone/>
             </a:pPr>
-            <a:r>
-              <a:rPr lang="zh-CN" altLang="en-US" sz="1800" dirty="0"/>
-              <a:t>  </a:t>
-            </a:r>
-            <a:r>
-              <a:rPr lang="en" altLang="zh-CN" sz="1800" dirty="0">
-                <a:effectLst/>
-              </a:rPr>
-              <a:t>pip install --no-cache-</a:t>
-            </a:r>
-            <a:r>
-              <a:rPr lang="en" altLang="zh-CN" sz="1800" dirty="0" err="1">
-                <a:effectLst/>
-              </a:rPr>
-              <a:t>dir</a:t>
-            </a:r>
-            <a:r>
-              <a:rPr lang="zh-CN" altLang="en-US" sz="1800" dirty="0">
-                <a:effectLst/>
-              </a:rPr>
-              <a:t> </a:t>
-            </a:r>
-            <a:r>
-              <a:rPr lang="zh-CN" altLang="en-US" sz="1800" dirty="0"/>
-              <a:t>避免 </a:t>
-            </a:r>
-            <a:r>
-              <a:rPr lang="en" altLang="zh-CN" sz="1800" dirty="0"/>
-              <a:t>pip </a:t>
-            </a:r>
-            <a:r>
-              <a:rPr lang="zh-CN" altLang="en-US" sz="1800" dirty="0"/>
-              <a:t>缓存，减少镜像体积</a:t>
-            </a:r>
-            <a:r>
-              <a:rPr kumimoji="1" lang="zh-CN" altLang="en-US" sz="1800" dirty="0"/>
-              <a:t>  </a:t>
-            </a:r>
-            <a:endParaRPr kumimoji="1" lang="en-US" altLang="zh-CN" sz="1800" dirty="0"/>
-          </a:p>
-          <a:p>
-            <a:pPr marL="0" indent="0">
-              <a:buNone/>
-            </a:pPr>
-            <a:endParaRPr kumimoji="1" lang="zh-CN" altLang="en-US" sz="1800" dirty="0"/>
+            <a:endParaRPr lang="en-US" altLang="zh-CN" dirty="0"/>
+          </a:p>
+          <a:p>
+            <a:endParaRPr lang="zh-CN" altLang="en-US" dirty="0"/>
           </a:p>
         </p:txBody>
       </p:sp>
     </p:spTree>
     <p:extLst>
       <p:ext uri="{BB962C8B-B14F-4D97-AF65-F5344CB8AC3E}">
-        <p14:creationId xmlns:p14="http://schemas.microsoft.com/office/powerpoint/2010/main" val="1112528702"/>
+        <p14:creationId xmlns:p14="http://schemas.microsoft.com/office/powerpoint/2010/main" val="3511774112"/>
       </p:ext>
     </p:extLst>
   </p:cSld>

--- a/Presentation.pptx
+++ b/Presentation.pptx
@@ -3415,6 +3415,70 @@
               <a:t>2025-9-16</a:t>
             </a:r>
             <a:endParaRPr kumimoji="1" lang="zh-CN" altLang="en-US" dirty="0"/>
+          </a:p>
+        </p:txBody>
+      </p:sp>
+      <p:sp>
+        <p:nvSpPr>
+          <p:cNvPr id="4" name="文本框 3">
+            <a:extLst>
+              <a:ext uri="{FF2B5EF4-FFF2-40B4-BE49-F238E27FC236}">
+                <a16:creationId xmlns:a16="http://schemas.microsoft.com/office/drawing/2014/main" id="{3D83C3D1-3A50-5ECE-6C9D-90F7C7D6C20E}"/>
+              </a:ext>
+            </a:extLst>
+          </p:cNvPr>
+          <p:cNvSpPr txBox="1"/>
+          <p:nvPr/>
+        </p:nvSpPr>
+        <p:spPr>
+          <a:xfrm>
+            <a:off x="12232888" y="501805"/>
+            <a:ext cx="184731" cy="369332"/>
+          </a:xfrm>
+          <a:prstGeom prst="rect">
+            <a:avLst/>
+          </a:prstGeom>
+          <a:noFill/>
+        </p:spPr>
+        <p:txBody>
+          <a:bodyPr wrap="none" rtlCol="0">
+            <a:spAutoFit/>
+          </a:bodyPr>
+          <a:lstStyle/>
+          <a:p>
+            <a:endParaRPr kumimoji="1" lang="zh-CN" altLang="en-US" dirty="0"/>
+          </a:p>
+        </p:txBody>
+      </p:sp>
+      <p:sp>
+        <p:nvSpPr>
+          <p:cNvPr id="5" name="文本框 4">
+            <a:extLst>
+              <a:ext uri="{FF2B5EF4-FFF2-40B4-BE49-F238E27FC236}">
+                <a16:creationId xmlns:a16="http://schemas.microsoft.com/office/drawing/2014/main" id="{B789C183-A8CD-4F11-7413-CE69AFD9DA1A}"/>
+              </a:ext>
+            </a:extLst>
+          </p:cNvPr>
+          <p:cNvSpPr txBox="1"/>
+          <p:nvPr/>
+        </p:nvSpPr>
+        <p:spPr>
+          <a:xfrm>
+            <a:off x="11887200" y="3300761"/>
+            <a:ext cx="184731" cy="369332"/>
+          </a:xfrm>
+          <a:prstGeom prst="rect">
+            <a:avLst/>
+          </a:prstGeom>
+          <a:noFill/>
+        </p:spPr>
+        <p:txBody>
+          <a:bodyPr wrap="none" rtlCol="0">
+            <a:spAutoFit/>
+          </a:bodyPr>
+          <a:lstStyle/>
+          <a:p>
+            <a:endParaRPr kumimoji="1" lang="zh-CN" altLang="en-US"/>
           </a:p>
         </p:txBody>
       </p:sp>

--- a/Presentation.pptx
+++ b/Presentation.pptx
@@ -3394,7 +3394,12 @@
             <p:ph type="subTitle" idx="1"/>
           </p:nvPr>
         </p:nvSpPr>
-        <p:spPr/>
+        <p:spPr>
+          <a:xfrm>
+            <a:off x="1423639" y="3670093"/>
+            <a:ext cx="9144000" cy="1655762"/>
+          </a:xfrm>
+        </p:spPr>
         <p:txBody>
           <a:bodyPr/>
           <a:lstStyle/>
